--- a/권기호/11.2 발표자료.pptx
+++ b/권기호/11.2 발표자료.pptx
@@ -3599,6 +3599,74 @@
           </a:p>
         </p:txBody>
       </p:sp>
+      <p:sp>
+        <p:nvSpPr>
+          <p:cNvPr id="6" name="TextBox 5">
+            <a:extLst>
+              <a:ext uri="{FF2B5EF4-FFF2-40B4-BE49-F238E27FC236}">
+                <a16:creationId xmlns:a16="http://schemas.microsoft.com/office/drawing/2014/main" id="{650F06BA-E82C-4002-98D5-60C35D5236E2}"/>
+              </a:ext>
+            </a:extLst>
+          </p:cNvPr>
+          <p:cNvSpPr txBox="1"/>
+          <p:nvPr/>
+        </p:nvSpPr>
+        <p:spPr>
+          <a:xfrm>
+            <a:off x="2628900" y="4872160"/>
+            <a:ext cx="6934200" cy="369332"/>
+          </a:xfrm>
+          <a:prstGeom prst="rect">
+            <a:avLst/>
+          </a:prstGeom>
+          <a:noFill/>
+        </p:spPr>
+        <p:txBody>
+          <a:bodyPr wrap="square" rtlCol="0">
+            <a:spAutoFit/>
+          </a:bodyPr>
+          <a:lstStyle/>
+          <a:p>
+            <a:pPr algn="ctr"/>
+            <a:r>
+              <a:rPr lang="ko-KR" altLang="en-US" spc="-150" dirty="0">
+                <a:solidFill>
+                  <a:schemeClr val="bg2">
+                    <a:lumMod val="50000"/>
+                  </a:schemeClr>
+                </a:solidFill>
+                <a:latin typeface="+mj-ea"/>
+                <a:ea typeface="+mj-ea"/>
+              </a:rPr>
+              <a:t>발표자</a:t>
+            </a:r>
+            <a:r>
+              <a:rPr lang="en-US" altLang="ko-KR" spc="-150" dirty="0">
+                <a:solidFill>
+                  <a:schemeClr val="bg2">
+                    <a:lumMod val="50000"/>
+                  </a:schemeClr>
+                </a:solidFill>
+                <a:latin typeface="+mj-ea"/>
+                <a:ea typeface="+mj-ea"/>
+              </a:rPr>
+              <a:t>: </a:t>
+            </a:r>
+            <a:r>
+              <a:rPr lang="ko-KR" altLang="en-US" spc="-150" dirty="0">
+                <a:solidFill>
+                  <a:schemeClr val="bg2">
+                    <a:lumMod val="50000"/>
+                  </a:schemeClr>
+                </a:solidFill>
+                <a:latin typeface="+mj-ea"/>
+                <a:ea typeface="+mj-ea"/>
+              </a:rPr>
+              <a:t>권기호</a:t>
+            </a:r>
+          </a:p>
+        </p:txBody>
+      </p:sp>
     </p:spTree>
     <p:extLst>
       <p:ext uri="{BB962C8B-B14F-4D97-AF65-F5344CB8AC3E}">
@@ -6295,13 +6363,13 @@
   <p:clrMapOvr>
     <a:masterClrMapping/>
   </p:clrMapOvr>
-  <mc:AlternateContent xmlns:mc="http://schemas.openxmlformats.org/markup-compatibility/2006">
-    <mc:Choice xmlns:p14="http://schemas.microsoft.com/office/powerpoint/2010/main" Requires="p14">
+  <mc:AlternateContent xmlns:mc="http://schemas.openxmlformats.org/markup-compatibility/2006" xmlns:p14="http://schemas.microsoft.com/office/powerpoint/2010/main">
+    <mc:Choice Requires="p14">
       <p:transition spd="med" p14:dur="700">
         <p:fade/>
       </p:transition>
     </mc:Choice>
-    <mc:Fallback>
+    <mc:Fallback xmlns="">
       <p:transition spd="med">
         <p:fade/>
       </p:transition>
@@ -9235,13 +9303,13 @@
   <p:clrMapOvr>
     <a:masterClrMapping/>
   </p:clrMapOvr>
-  <mc:AlternateContent xmlns:mc="http://schemas.openxmlformats.org/markup-compatibility/2006">
-    <mc:Choice xmlns:p14="http://schemas.microsoft.com/office/powerpoint/2010/main" Requires="p14">
+  <mc:AlternateContent xmlns:mc="http://schemas.openxmlformats.org/markup-compatibility/2006" xmlns:p14="http://schemas.microsoft.com/office/powerpoint/2010/main">
+    <mc:Choice Requires="p14">
       <p:transition spd="med" p14:dur="700">
         <p:fade/>
       </p:transition>
     </mc:Choice>
-    <mc:Fallback>
+    <mc:Fallback xmlns="">
       <p:transition spd="med">
         <p:fade/>
       </p:transition>
